--- a/Presentation-Slides-CSharp-EN/Chapter-1-Into-Programming/05.Visual-Studio-IDE.pptx
+++ b/Presentation-Slides-CSharp-EN/Chapter-1-Into-Programming/05.Visual-Studio-IDE.pptx
@@ -5,17 +5,19 @@
     <p:sldMasterId id="2147483660" r:id="rId2"/>
   </p:sldMasterIdLst>
   <p:notesMasterIdLst>
-    <p:notesMasterId r:id="rId8"/>
+    <p:notesMasterId r:id="rId10"/>
   </p:notesMasterIdLst>
   <p:handoutMasterIdLst>
-    <p:handoutMasterId r:id="rId9"/>
+    <p:handoutMasterId r:id="rId11"/>
   </p:handoutMasterIdLst>
   <p:sldIdLst>
     <p:sldId id="353" r:id="rId3"/>
-    <p:sldId id="395" r:id="rId4"/>
-    <p:sldId id="396" r:id="rId5"/>
-    <p:sldId id="397" r:id="rId6"/>
-    <p:sldId id="278" r:id="rId7"/>
+    <p:sldId id="398" r:id="rId4"/>
+    <p:sldId id="433" r:id="rId5"/>
+    <p:sldId id="395" r:id="rId6"/>
+    <p:sldId id="396" r:id="rId7"/>
+    <p:sldId id="397" r:id="rId8"/>
+    <p:sldId id="278" r:id="rId9"/>
   </p:sldIdLst>
   <p:sldSz cx="12188825" cy="6858000"/>
   <p:notesSz cx="6858000" cy="9144000"/>
@@ -2778,6 +2780,1174 @@
       </p:sp>
       <p:sp>
         <p:nvSpPr>
+          <p:cNvPr id="3" name="Content Placeholder 2"/>
+          <p:cNvSpPr>
+            <a:spLocks noGrp="1"/>
+          </p:cNvSpPr>
+          <p:nvPr>
+            <p:ph idx="1"/>
+          </p:nvPr>
+        </p:nvSpPr>
+        <p:spPr/>
+        <p:txBody>
+          <a:bodyPr>
+            <a:normAutofit/>
+          </a:bodyPr>
+          <a:lstStyle/>
+          <a:p>
+            <a:r>
+              <a:rPr lang="en-US" dirty="0"/>
+              <a:t>In order to program, we need an </a:t>
+            </a:r>
+            <a:r>
+              <a:rPr lang="en-US" dirty="0">
+                <a:solidFill>
+                  <a:schemeClr val="tx2">
+                    <a:lumMod val="75000"/>
+                  </a:schemeClr>
+                </a:solidFill>
+              </a:rPr>
+              <a:t>IDE</a:t>
+            </a:r>
+          </a:p>
+          <a:p>
+            <a:pPr lvl="1"/>
+            <a:r>
+              <a:rPr lang="en-US" dirty="0"/>
+              <a:t>For </a:t>
+            </a:r>
+            <a:r>
+              <a:rPr lang="en-US" b="1" dirty="0">
+                <a:solidFill>
+                  <a:schemeClr val="tx2">
+                    <a:lumMod val="75000"/>
+                  </a:schemeClr>
+                </a:solidFill>
+              </a:rPr>
+              <a:t>C#</a:t>
+            </a:r>
+            <a:r>
+              <a:rPr lang="en-US" dirty="0"/>
+              <a:t> </a:t>
+            </a:r>
+            <a:r>
+              <a:rPr lang="en-US" dirty="0">
+                <a:sym typeface="Wingdings" panose="05000000000000000000" pitchFamily="2" charset="2"/>
+              </a:rPr>
+              <a:t></a:t>
+            </a:r>
+          </a:p>
+          <a:p>
+            <a:pPr lvl="2"/>
+            <a:r>
+              <a:rPr lang="en-US" b="1" dirty="0">
+                <a:solidFill>
+                  <a:schemeClr val="tx2">
+                    <a:lumMod val="75000"/>
+                  </a:schemeClr>
+                </a:solidFill>
+              </a:rPr>
+              <a:t>Visual Studio </a:t>
+            </a:r>
+            <a:r>
+              <a:rPr lang="en-US" dirty="0"/>
+              <a:t>(for Windows)</a:t>
+            </a:r>
+          </a:p>
+          <a:p>
+            <a:pPr lvl="2"/>
+            <a:r>
+              <a:rPr lang="en-US" b="1" dirty="0">
+                <a:solidFill>
+                  <a:schemeClr val="tx2">
+                    <a:lumMod val="75000"/>
+                  </a:schemeClr>
+                </a:solidFill>
+              </a:rPr>
+              <a:t>Visual Studio</a:t>
+            </a:r>
+            <a:r>
+              <a:rPr lang="en-US" dirty="0">
+                <a:solidFill>
+                  <a:schemeClr val="tx2">
+                    <a:lumMod val="75000"/>
+                  </a:schemeClr>
+                </a:solidFill>
+              </a:rPr>
+              <a:t> </a:t>
+            </a:r>
+            <a:r>
+              <a:rPr lang="en-US" dirty="0"/>
+              <a:t>/ </a:t>
+            </a:r>
+            <a:r>
+              <a:rPr lang="en-US" b="1" dirty="0">
+                <a:solidFill>
+                  <a:schemeClr val="tx2">
+                    <a:lumMod val="75000"/>
+                  </a:schemeClr>
+                </a:solidFill>
+              </a:rPr>
+              <a:t>Raider</a:t>
+            </a:r>
+            <a:r>
+              <a:rPr lang="en-US" dirty="0"/>
+              <a:t> (for macOS)</a:t>
+            </a:r>
+          </a:p>
+          <a:p>
+            <a:pPr lvl="2"/>
+            <a:r>
+              <a:rPr lang="en-US" b="1" dirty="0">
+                <a:solidFill>
+                  <a:schemeClr val="tx2">
+                    <a:lumMod val="75000"/>
+                  </a:schemeClr>
+                </a:solidFill>
+                <a:sym typeface="Wingdings" panose="05000000000000000000" pitchFamily="2" charset="2"/>
+              </a:rPr>
+              <a:t>Visual Studio Code</a:t>
+            </a:r>
+            <a:r>
+              <a:rPr lang="en-US" dirty="0">
+                <a:solidFill>
+                  <a:schemeClr val="tx2">
+                    <a:lumMod val="75000"/>
+                  </a:schemeClr>
+                </a:solidFill>
+                <a:sym typeface="Wingdings" panose="05000000000000000000" pitchFamily="2" charset="2"/>
+              </a:rPr>
+              <a:t> </a:t>
+            </a:r>
+            <a:r>
+              <a:rPr lang="en-US" dirty="0">
+                <a:sym typeface="Wingdings" panose="05000000000000000000" pitchFamily="2" charset="2"/>
+              </a:rPr>
+              <a:t>/ </a:t>
+            </a:r>
+            <a:r>
+              <a:rPr lang="en-US" b="1" dirty="0">
+                <a:solidFill>
+                  <a:schemeClr val="tx2">
+                    <a:lumMod val="75000"/>
+                  </a:schemeClr>
+                </a:solidFill>
+                <a:sym typeface="Wingdings" panose="05000000000000000000" pitchFamily="2" charset="2"/>
+              </a:rPr>
+              <a:t>Raider</a:t>
+            </a:r>
+            <a:r>
+              <a:rPr lang="en-US" dirty="0">
+                <a:sym typeface="Wingdings" panose="05000000000000000000" pitchFamily="2" charset="2"/>
+              </a:rPr>
+              <a:t> (for Linux)</a:t>
+            </a:r>
+          </a:p>
+          <a:p>
+            <a:pPr lvl="1"/>
+            <a:r>
+              <a:rPr lang="en-US" dirty="0">
+                <a:sym typeface="Wingdings" panose="05000000000000000000" pitchFamily="2" charset="2"/>
+              </a:rPr>
+              <a:t>For </a:t>
+            </a:r>
+            <a:r>
+              <a:rPr lang="en-US" b="1" dirty="0">
+                <a:solidFill>
+                  <a:schemeClr val="tx2">
+                    <a:lumMod val="75000"/>
+                  </a:schemeClr>
+                </a:solidFill>
+                <a:sym typeface="Wingdings" panose="05000000000000000000" pitchFamily="2" charset="2"/>
+              </a:rPr>
+              <a:t>Java</a:t>
+            </a:r>
+            <a:r>
+              <a:rPr lang="en-US" dirty="0">
+                <a:sym typeface="Wingdings" panose="05000000000000000000" pitchFamily="2" charset="2"/>
+              </a:rPr>
+              <a:t>  </a:t>
+            </a:r>
+            <a:r>
+              <a:rPr lang="en-US" b="1" dirty="0">
+                <a:solidFill>
+                  <a:schemeClr val="tx2">
+                    <a:lumMod val="75000"/>
+                  </a:schemeClr>
+                </a:solidFill>
+                <a:sym typeface="Wingdings" panose="05000000000000000000" pitchFamily="2" charset="2"/>
+              </a:rPr>
+              <a:t>IntelliJ IDEA</a:t>
+            </a:r>
+            <a:r>
+              <a:rPr lang="en-US" dirty="0">
+                <a:sym typeface="Wingdings" panose="05000000000000000000" pitchFamily="2" charset="2"/>
+              </a:rPr>
+              <a:t> / </a:t>
+            </a:r>
+            <a:r>
+              <a:rPr lang="en-US" b="1" dirty="0">
+                <a:solidFill>
+                  <a:schemeClr val="tx2">
+                    <a:lumMod val="75000"/>
+                  </a:schemeClr>
+                </a:solidFill>
+                <a:sym typeface="Wingdings" panose="05000000000000000000" pitchFamily="2" charset="2"/>
+              </a:rPr>
+              <a:t>Eclipse</a:t>
+            </a:r>
+          </a:p>
+          <a:p>
+            <a:pPr lvl="1"/>
+            <a:r>
+              <a:rPr lang="en-US" dirty="0">
+                <a:sym typeface="Wingdings" panose="05000000000000000000" pitchFamily="2" charset="2"/>
+              </a:rPr>
+              <a:t>For </a:t>
+            </a:r>
+            <a:r>
+              <a:rPr lang="en-US" b="1" dirty="0">
+                <a:solidFill>
+                  <a:schemeClr val="tx2">
+                    <a:lumMod val="75000"/>
+                  </a:schemeClr>
+                </a:solidFill>
+                <a:sym typeface="Wingdings" panose="05000000000000000000" pitchFamily="2" charset="2"/>
+              </a:rPr>
+              <a:t>Python</a:t>
+            </a:r>
+            <a:r>
+              <a:rPr lang="en-US" dirty="0">
+                <a:sym typeface="Wingdings" panose="05000000000000000000" pitchFamily="2" charset="2"/>
+              </a:rPr>
+              <a:t>  </a:t>
+            </a:r>
+            <a:r>
+              <a:rPr lang="en-US" b="1" dirty="0">
+                <a:solidFill>
+                  <a:schemeClr val="tx2">
+                    <a:lumMod val="75000"/>
+                  </a:schemeClr>
+                </a:solidFill>
+                <a:sym typeface="Wingdings" panose="05000000000000000000" pitchFamily="2" charset="2"/>
+              </a:rPr>
+              <a:t>PyCharm </a:t>
+            </a:r>
+            <a:r>
+              <a:rPr lang="en-US" dirty="0">
+                <a:sym typeface="Wingdings" panose="05000000000000000000" pitchFamily="2" charset="2"/>
+              </a:rPr>
+              <a:t>/ </a:t>
+            </a:r>
+            <a:r>
+              <a:rPr lang="en-US" b="1" dirty="0">
+                <a:solidFill>
+                  <a:schemeClr val="tx2">
+                    <a:lumMod val="75000"/>
+                  </a:schemeClr>
+                </a:solidFill>
+                <a:sym typeface="Wingdings" panose="05000000000000000000" pitchFamily="2" charset="2"/>
+              </a:rPr>
+              <a:t>Eclipse</a:t>
+            </a:r>
+            <a:r>
+              <a:rPr lang="en-US" dirty="0">
+                <a:sym typeface="Wingdings" panose="05000000000000000000" pitchFamily="2" charset="2"/>
+              </a:rPr>
+              <a:t> / </a:t>
+            </a:r>
+            <a:r>
+              <a:rPr lang="en-US" b="1" dirty="0">
+                <a:solidFill>
+                  <a:schemeClr val="tx2">
+                    <a:lumMod val="75000"/>
+                  </a:schemeClr>
+                </a:solidFill>
+                <a:sym typeface="Wingdings" panose="05000000000000000000" pitchFamily="2" charset="2"/>
+              </a:rPr>
+              <a:t>Visual Studio Code</a:t>
+            </a:r>
+          </a:p>
+          <a:p>
+            <a:pPr lvl="1"/>
+            <a:r>
+              <a:rPr lang="en-US" dirty="0">
+                <a:sym typeface="Wingdings" panose="05000000000000000000" pitchFamily="2" charset="2"/>
+              </a:rPr>
+              <a:t>For </a:t>
+            </a:r>
+            <a:r>
+              <a:rPr lang="en-US" b="1" dirty="0">
+                <a:solidFill>
+                  <a:schemeClr val="tx2">
+                    <a:lumMod val="75000"/>
+                  </a:schemeClr>
+                </a:solidFill>
+                <a:sym typeface="Wingdings" panose="05000000000000000000" pitchFamily="2" charset="2"/>
+              </a:rPr>
+              <a:t>JavaScript</a:t>
+            </a:r>
+            <a:r>
+              <a:rPr lang="en-US" dirty="0">
+                <a:sym typeface="Wingdings" panose="05000000000000000000" pitchFamily="2" charset="2"/>
+              </a:rPr>
+              <a:t>  </a:t>
+            </a:r>
+            <a:r>
+              <a:rPr lang="en-US" b="1" dirty="0">
+                <a:solidFill>
+                  <a:schemeClr val="tx2">
+                    <a:lumMod val="75000"/>
+                  </a:schemeClr>
+                </a:solidFill>
+                <a:sym typeface="Wingdings" panose="05000000000000000000" pitchFamily="2" charset="2"/>
+              </a:rPr>
+              <a:t>WebStorm</a:t>
+            </a:r>
+            <a:r>
+              <a:rPr lang="en-US" dirty="0">
+                <a:sym typeface="Wingdings" panose="05000000000000000000" pitchFamily="2" charset="2"/>
+              </a:rPr>
+              <a:t> / </a:t>
+            </a:r>
+            <a:r>
+              <a:rPr lang="en-US" b="1" dirty="0">
+                <a:solidFill>
+                  <a:schemeClr val="tx2">
+                    <a:lumMod val="75000"/>
+                  </a:schemeClr>
+                </a:solidFill>
+                <a:sym typeface="Wingdings" panose="05000000000000000000" pitchFamily="2" charset="2"/>
+              </a:rPr>
+              <a:t>Visual Studio Code</a:t>
+            </a:r>
+            <a:endParaRPr lang="en-US" b="1" dirty="0">
+              <a:solidFill>
+                <a:schemeClr val="tx2">
+                  <a:lumMod val="75000"/>
+                </a:schemeClr>
+              </a:solidFill>
+            </a:endParaRPr>
+          </a:p>
+        </p:txBody>
+      </p:sp>
+      <p:sp>
+        <p:nvSpPr>
+          <p:cNvPr id="4" name="Title 3"/>
+          <p:cNvSpPr>
+            <a:spLocks noGrp="1"/>
+          </p:cNvSpPr>
+          <p:nvPr>
+            <p:ph type="title"/>
+          </p:nvPr>
+        </p:nvSpPr>
+        <p:spPr>
+          <a:xfrm>
+            <a:off x="188815" y="40341"/>
+            <a:ext cx="11696797" cy="1110780"/>
+          </a:xfrm>
+        </p:spPr>
+        <p:txBody>
+          <a:bodyPr>
+            <a:normAutofit/>
+          </a:bodyPr>
+          <a:lstStyle/>
+          <a:p>
+            <a:r>
+              <a:rPr lang="en-US" sz="4400" dirty="0"/>
+              <a:t>Integrated Development Environments (IDE)</a:t>
+            </a:r>
+          </a:p>
+        </p:txBody>
+      </p:sp>
+      <p:pic>
+        <p:nvPicPr>
+          <p:cNvPr id="1026" name="Picture 2" descr="https://csharp-book.softuni.org/assets/chapter-1-images/01.Hello-csharp-03.png">
+            <a:extLst>
+              <a:ext uri="{FF2B5EF4-FFF2-40B4-BE49-F238E27FC236}">
+                <a16:creationId xmlns:a16="http://schemas.microsoft.com/office/drawing/2014/main" id="{C2071181-D497-487F-ADD6-BBFEBA173FF9}"/>
+              </a:ext>
+            </a:extLst>
+          </p:cNvPr>
+          <p:cNvPicPr>
+            <a:picLocks noChangeAspect="1" noChangeArrowheads="1"/>
+          </p:cNvPicPr>
+          <p:nvPr/>
+        </p:nvPicPr>
+        <p:blipFill>
+          <a:blip r:embed="rId2">
+            <a:extLst>
+              <a:ext uri="{28A0092B-C50C-407E-A947-70E740481C1C}">
+                <a14:useLocalDpi xmlns:a14="http://schemas.microsoft.com/office/drawing/2010/main" val="0"/>
+              </a:ext>
+            </a:extLst>
+          </a:blip>
+          <a:srcRect/>
+          <a:stretch>
+            <a:fillRect/>
+          </a:stretch>
+        </p:blipFill>
+        <p:spPr bwMode="auto">
+          <a:xfrm>
+            <a:off x="7389812" y="1981200"/>
+            <a:ext cx="4343400" cy="2752124"/>
+          </a:xfrm>
+          <a:prstGeom prst="rect">
+            <a:avLst/>
+          </a:prstGeom>
+          <a:noFill/>
+          <a:extLst>
+            <a:ext uri="{909E8E84-426E-40DD-AFC4-6F175D3DCCD1}">
+              <a14:hiddenFill xmlns:a14="http://schemas.microsoft.com/office/drawing/2010/main">
+                <a:solidFill>
+                  <a:srgbClr val="FFFFFF"/>
+                </a:solidFill>
+              </a14:hiddenFill>
+            </a:ext>
+          </a:extLst>
+        </p:spPr>
+      </p:pic>
+    </p:spTree>
+    <p:extLst>
+      <p:ext uri="{BB962C8B-B14F-4D97-AF65-F5344CB8AC3E}">
+        <p14:creationId xmlns:p14="http://schemas.microsoft.com/office/powerpoint/2010/main" val="4016753692"/>
+      </p:ext>
+    </p:extLst>
+  </p:cSld>
+  <p:clrMapOvr>
+    <a:masterClrMapping/>
+  </p:clrMapOvr>
+  <p:timing>
+    <p:tnLst>
+      <p:par>
+        <p:cTn id="1" dur="indefinite" restart="never" nodeType="tmRoot">
+          <p:childTnLst>
+            <p:seq concurrent="1" nextAc="seek">
+              <p:cTn id="2" dur="indefinite" nodeType="mainSeq">
+                <p:childTnLst>
+                  <p:par>
+                    <p:cTn id="3" fill="hold">
+                      <p:stCondLst>
+                        <p:cond delay="indefinite"/>
+                      </p:stCondLst>
+                      <p:childTnLst>
+                        <p:par>
+                          <p:cTn id="4" fill="hold">
+                            <p:stCondLst>
+                              <p:cond delay="0"/>
+                            </p:stCondLst>
+                            <p:childTnLst>
+                              <p:par>
+                                <p:cTn id="5" presetID="1" presetClass="entr" presetSubtype="0" fill="hold" nodeType="clickEffect">
+                                  <p:stCondLst>
+                                    <p:cond delay="0"/>
+                                  </p:stCondLst>
+                                  <p:childTnLst>
+                                    <p:set>
+                                      <p:cBhvr>
+                                        <p:cTn id="6" dur="1" fill="hold">
+                                          <p:stCondLst>
+                                            <p:cond delay="0"/>
+                                          </p:stCondLst>
+                                        </p:cTn>
+                                        <p:tgtEl>
+                                          <p:spTgt spid="3">
+                                            <p:txEl>
+                                              <p:pRg st="3" end="3"/>
+                                            </p:txEl>
+                                          </p:spTgt>
+                                        </p:tgtEl>
+                                        <p:attrNameLst>
+                                          <p:attrName>style.visibility</p:attrName>
+                                        </p:attrNameLst>
+                                      </p:cBhvr>
+                                      <p:to>
+                                        <p:strVal val="visible"/>
+                                      </p:to>
+                                    </p:set>
+                                  </p:childTnLst>
+                                </p:cTn>
+                              </p:par>
+                            </p:childTnLst>
+                          </p:cTn>
+                        </p:par>
+                      </p:childTnLst>
+                    </p:cTn>
+                  </p:par>
+                  <p:par>
+                    <p:cTn id="7" fill="hold">
+                      <p:stCondLst>
+                        <p:cond delay="indefinite"/>
+                      </p:stCondLst>
+                      <p:childTnLst>
+                        <p:par>
+                          <p:cTn id="8" fill="hold">
+                            <p:stCondLst>
+                              <p:cond delay="0"/>
+                            </p:stCondLst>
+                            <p:childTnLst>
+                              <p:par>
+                                <p:cTn id="9" presetID="1" presetClass="entr" presetSubtype="0" fill="hold" nodeType="clickEffect">
+                                  <p:stCondLst>
+                                    <p:cond delay="0"/>
+                                  </p:stCondLst>
+                                  <p:childTnLst>
+                                    <p:set>
+                                      <p:cBhvr>
+                                        <p:cTn id="10" dur="1" fill="hold">
+                                          <p:stCondLst>
+                                            <p:cond delay="0"/>
+                                          </p:stCondLst>
+                                        </p:cTn>
+                                        <p:tgtEl>
+                                          <p:spTgt spid="3">
+                                            <p:txEl>
+                                              <p:pRg st="4" end="4"/>
+                                            </p:txEl>
+                                          </p:spTgt>
+                                        </p:tgtEl>
+                                        <p:attrNameLst>
+                                          <p:attrName>style.visibility</p:attrName>
+                                        </p:attrNameLst>
+                                      </p:cBhvr>
+                                      <p:to>
+                                        <p:strVal val="visible"/>
+                                      </p:to>
+                                    </p:set>
+                                  </p:childTnLst>
+                                </p:cTn>
+                              </p:par>
+                            </p:childTnLst>
+                          </p:cTn>
+                        </p:par>
+                      </p:childTnLst>
+                    </p:cTn>
+                  </p:par>
+                  <p:par>
+                    <p:cTn id="11" fill="hold">
+                      <p:stCondLst>
+                        <p:cond delay="indefinite"/>
+                      </p:stCondLst>
+                      <p:childTnLst>
+                        <p:par>
+                          <p:cTn id="12" fill="hold">
+                            <p:stCondLst>
+                              <p:cond delay="0"/>
+                            </p:stCondLst>
+                            <p:childTnLst>
+                              <p:par>
+                                <p:cTn id="13" presetID="1" presetClass="entr" presetSubtype="0" fill="hold" nodeType="clickEffect">
+                                  <p:stCondLst>
+                                    <p:cond delay="0"/>
+                                  </p:stCondLst>
+                                  <p:childTnLst>
+                                    <p:set>
+                                      <p:cBhvr>
+                                        <p:cTn id="14" dur="1" fill="hold">
+                                          <p:stCondLst>
+                                            <p:cond delay="0"/>
+                                          </p:stCondLst>
+                                        </p:cTn>
+                                        <p:tgtEl>
+                                          <p:spTgt spid="3">
+                                            <p:txEl>
+                                              <p:pRg st="5" end="5"/>
+                                            </p:txEl>
+                                          </p:spTgt>
+                                        </p:tgtEl>
+                                        <p:attrNameLst>
+                                          <p:attrName>style.visibility</p:attrName>
+                                        </p:attrNameLst>
+                                      </p:cBhvr>
+                                      <p:to>
+                                        <p:strVal val="visible"/>
+                                      </p:to>
+                                    </p:set>
+                                  </p:childTnLst>
+                                </p:cTn>
+                              </p:par>
+                            </p:childTnLst>
+                          </p:cTn>
+                        </p:par>
+                      </p:childTnLst>
+                    </p:cTn>
+                  </p:par>
+                  <p:par>
+                    <p:cTn id="15" fill="hold">
+                      <p:stCondLst>
+                        <p:cond delay="indefinite"/>
+                      </p:stCondLst>
+                      <p:childTnLst>
+                        <p:par>
+                          <p:cTn id="16" fill="hold">
+                            <p:stCondLst>
+                              <p:cond delay="0"/>
+                            </p:stCondLst>
+                            <p:childTnLst>
+                              <p:par>
+                                <p:cTn id="17" presetID="1" presetClass="entr" presetSubtype="0" fill="hold" nodeType="clickEffect">
+                                  <p:stCondLst>
+                                    <p:cond delay="0"/>
+                                  </p:stCondLst>
+                                  <p:childTnLst>
+                                    <p:set>
+                                      <p:cBhvr>
+                                        <p:cTn id="18" dur="1" fill="hold">
+                                          <p:stCondLst>
+                                            <p:cond delay="0"/>
+                                          </p:stCondLst>
+                                        </p:cTn>
+                                        <p:tgtEl>
+                                          <p:spTgt spid="3">
+                                            <p:txEl>
+                                              <p:pRg st="6" end="6"/>
+                                            </p:txEl>
+                                          </p:spTgt>
+                                        </p:tgtEl>
+                                        <p:attrNameLst>
+                                          <p:attrName>style.visibility</p:attrName>
+                                        </p:attrNameLst>
+                                      </p:cBhvr>
+                                      <p:to>
+                                        <p:strVal val="visible"/>
+                                      </p:to>
+                                    </p:set>
+                                  </p:childTnLst>
+                                </p:cTn>
+                              </p:par>
+                            </p:childTnLst>
+                          </p:cTn>
+                        </p:par>
+                      </p:childTnLst>
+                    </p:cTn>
+                  </p:par>
+                  <p:par>
+                    <p:cTn id="19" fill="hold">
+                      <p:stCondLst>
+                        <p:cond delay="indefinite"/>
+                      </p:stCondLst>
+                      <p:childTnLst>
+                        <p:par>
+                          <p:cTn id="20" fill="hold">
+                            <p:stCondLst>
+                              <p:cond delay="0"/>
+                            </p:stCondLst>
+                            <p:childTnLst>
+                              <p:par>
+                                <p:cTn id="21" presetID="1" presetClass="entr" presetSubtype="0" fill="hold" nodeType="clickEffect">
+                                  <p:stCondLst>
+                                    <p:cond delay="0"/>
+                                  </p:stCondLst>
+                                  <p:childTnLst>
+                                    <p:set>
+                                      <p:cBhvr>
+                                        <p:cTn id="22" dur="1" fill="hold">
+                                          <p:stCondLst>
+                                            <p:cond delay="0"/>
+                                          </p:stCondLst>
+                                        </p:cTn>
+                                        <p:tgtEl>
+                                          <p:spTgt spid="3">
+                                            <p:txEl>
+                                              <p:pRg st="7" end="7"/>
+                                            </p:txEl>
+                                          </p:spTgt>
+                                        </p:tgtEl>
+                                        <p:attrNameLst>
+                                          <p:attrName>style.visibility</p:attrName>
+                                        </p:attrNameLst>
+                                      </p:cBhvr>
+                                      <p:to>
+                                        <p:strVal val="visible"/>
+                                      </p:to>
+                                    </p:set>
+                                  </p:childTnLst>
+                                </p:cTn>
+                              </p:par>
+                            </p:childTnLst>
+                          </p:cTn>
+                        </p:par>
+                      </p:childTnLst>
+                    </p:cTn>
+                  </p:par>
+                </p:childTnLst>
+              </p:cTn>
+              <p:prevCondLst>
+                <p:cond evt="onPrev" delay="0">
+                  <p:tgtEl>
+                    <p:sldTgt/>
+                  </p:tgtEl>
+                </p:cond>
+              </p:prevCondLst>
+              <p:nextCondLst>
+                <p:cond evt="onNext" delay="0">
+                  <p:tgtEl>
+                    <p:sldTgt/>
+                  </p:tgtEl>
+                </p:cond>
+              </p:nextCondLst>
+            </p:seq>
+          </p:childTnLst>
+        </p:cTn>
+      </p:par>
+    </p:tnLst>
+  </p:timing>
+</p:sld>
+</file>
+
+<file path=ppt/slides/slide3.xml><?xml version="1.0" encoding="utf-8"?>
+<p:sld xmlns:a="http://schemas.openxmlformats.org/drawingml/2006/main" xmlns:r="http://schemas.openxmlformats.org/officeDocument/2006/relationships" xmlns:p="http://schemas.openxmlformats.org/presentationml/2006/main">
+  <p:cSld>
+    <p:spTree>
+      <p:nvGrpSpPr>
+        <p:cNvPr id="1" name=""/>
+        <p:cNvGrpSpPr/>
+        <p:nvPr/>
+      </p:nvGrpSpPr>
+      <p:grpSpPr>
+        <a:xfrm>
+          <a:off x="0" y="0"/>
+          <a:ext cx="0" cy="0"/>
+          <a:chOff x="0" y="0"/>
+          <a:chExt cx="0" cy="0"/>
+        </a:xfrm>
+      </p:grpSpPr>
+      <p:sp>
+        <p:nvSpPr>
+          <p:cNvPr id="2" name="Slide Number Placeholder 1"/>
+          <p:cNvSpPr>
+            <a:spLocks noGrp="1"/>
+          </p:cNvSpPr>
+          <p:nvPr>
+            <p:ph type="sldNum" sz="quarter" idx="4"/>
+          </p:nvPr>
+        </p:nvSpPr>
+        <p:spPr/>
+        <p:txBody>
+          <a:bodyPr/>
+          <a:lstStyle/>
+          <a:p>
+            <a:fld id="{C014DD1E-5D91-48A3-AD6D-45FBA980D106}" type="slidenum">
+              <a:rPr lang="en-US" smtClean="0"/>
+              <a:pPr/>
+              <a:t>3</a:t>
+            </a:fld>
+            <a:endParaRPr lang="en-US" dirty="0"/>
+          </a:p>
+        </p:txBody>
+      </p:sp>
+      <p:sp>
+        <p:nvSpPr>
+          <p:cNvPr id="3" name="Content Placeholder 2"/>
+          <p:cNvSpPr>
+            <a:spLocks noGrp="1"/>
+          </p:cNvSpPr>
+          <p:nvPr>
+            <p:ph idx="1"/>
+          </p:nvPr>
+        </p:nvSpPr>
+        <p:spPr/>
+        <p:txBody>
+          <a:bodyPr>
+            <a:normAutofit/>
+          </a:bodyPr>
+          <a:lstStyle/>
+          <a:p>
+            <a:r>
+              <a:rPr lang="en-US" dirty="0"/>
+              <a:t>Install Microsoft </a:t>
+            </a:r>
+            <a:r>
+              <a:rPr lang="en-US" b="1" dirty="0">
+                <a:solidFill>
+                  <a:schemeClr val="tx2">
+                    <a:lumMod val="75000"/>
+                  </a:schemeClr>
+                </a:solidFill>
+              </a:rPr>
+              <a:t>Visual Studio Community</a:t>
+            </a:r>
+          </a:p>
+          <a:p>
+            <a:pPr lvl="1"/>
+            <a:r>
+              <a:rPr lang="en-US" dirty="0">
+                <a:hlinkClick r:id="rId2"/>
+              </a:rPr>
+              <a:t>https://visualstudio.com/products/visual-studio-community-vs</a:t>
+            </a:r>
+            <a:endParaRPr lang="bg-BG" dirty="0"/>
+          </a:p>
+          <a:p>
+            <a:pPr lvl="1"/>
+            <a:r>
+              <a:rPr lang="en-US" dirty="0"/>
+              <a:t>You can use an older version, but it is not recommended</a:t>
+            </a:r>
+          </a:p>
+          <a:p>
+            <a:pPr>
+              <a:spcBef>
+                <a:spcPts val="1200"/>
+              </a:spcBef>
+            </a:pPr>
+            <a:r>
+              <a:rPr lang="en-US" dirty="0"/>
+              <a:t>Alternative IDE</a:t>
+            </a:r>
+            <a:r>
+              <a:rPr lang="bg-BG" dirty="0"/>
+              <a:t> (</a:t>
+            </a:r>
+            <a:r>
+              <a:rPr lang="en-US" dirty="0"/>
+              <a:t>online)</a:t>
+            </a:r>
+          </a:p>
+          <a:p>
+            <a:pPr lvl="1"/>
+            <a:r>
+              <a:rPr lang="en-US" dirty="0"/>
+              <a:t>C#: </a:t>
+            </a:r>
+            <a:r>
+              <a:rPr lang="en-US" dirty="0">
+                <a:hlinkClick r:id="rId3"/>
+              </a:rPr>
+              <a:t>https://dotnetfiddle.net</a:t>
+            </a:r>
+            <a:endParaRPr lang="en-US" dirty="0"/>
+          </a:p>
+          <a:p>
+            <a:pPr lvl="1"/>
+            <a:r>
+              <a:rPr lang="en-US" dirty="0"/>
+              <a:t>Java: </a:t>
+            </a:r>
+            <a:r>
+              <a:rPr lang="en-US" dirty="0">
+                <a:hlinkClick r:id="rId4"/>
+              </a:rPr>
+              <a:t>https://compilejava.net</a:t>
+            </a:r>
+            <a:r>
+              <a:rPr lang="bg-BG" dirty="0"/>
+              <a:t> </a:t>
+            </a:r>
+            <a:endParaRPr lang="en-US" dirty="0"/>
+          </a:p>
+          <a:p>
+            <a:pPr lvl="1"/>
+            <a:r>
+              <a:rPr lang="en-US" dirty="0"/>
+              <a:t>Python: </a:t>
+            </a:r>
+            <a:r>
+              <a:rPr lang="en-US" dirty="0">
+                <a:hlinkClick r:id="rId5"/>
+              </a:rPr>
+              <a:t>https://repl.it</a:t>
+            </a:r>
+            <a:endParaRPr lang="en-US" dirty="0"/>
+          </a:p>
+          <a:p>
+            <a:pPr lvl="1"/>
+            <a:r>
+              <a:rPr lang="en-US" dirty="0"/>
+              <a:t>JavaScript: directly use the browser console (press [F12] key)</a:t>
+            </a:r>
+            <a:endParaRPr lang="bg-BG" dirty="0"/>
+          </a:p>
+        </p:txBody>
+      </p:sp>
+      <p:sp>
+        <p:nvSpPr>
+          <p:cNvPr id="4" name="Title 3"/>
+          <p:cNvSpPr>
+            <a:spLocks noGrp="1"/>
+          </p:cNvSpPr>
+          <p:nvPr>
+            <p:ph type="title"/>
+          </p:nvPr>
+        </p:nvSpPr>
+        <p:spPr>
+          <a:xfrm>
+            <a:off x="188815" y="40341"/>
+            <a:ext cx="11849197" cy="1110780"/>
+          </a:xfrm>
+        </p:spPr>
+        <p:txBody>
+          <a:bodyPr>
+            <a:normAutofit/>
+          </a:bodyPr>
+          <a:lstStyle/>
+          <a:p>
+            <a:r>
+              <a:rPr lang="en-US" sz="4400" dirty="0"/>
+              <a:t>Development Environments: Desktop and Online</a:t>
+            </a:r>
+          </a:p>
+        </p:txBody>
+      </p:sp>
+    </p:spTree>
+    <p:extLst>
+      <p:ext uri="{BB962C8B-B14F-4D97-AF65-F5344CB8AC3E}">
+        <p14:creationId xmlns:p14="http://schemas.microsoft.com/office/powerpoint/2010/main" val="3641119329"/>
+      </p:ext>
+    </p:extLst>
+  </p:cSld>
+  <p:clrMapOvr>
+    <a:masterClrMapping/>
+  </p:clrMapOvr>
+  <p:timing>
+    <p:tnLst>
+      <p:par>
+        <p:cTn id="1" dur="indefinite" restart="never" nodeType="tmRoot">
+          <p:childTnLst>
+            <p:seq concurrent="1" nextAc="seek">
+              <p:cTn id="2" dur="indefinite" nodeType="mainSeq">
+                <p:childTnLst>
+                  <p:par>
+                    <p:cTn id="3" fill="hold">
+                      <p:stCondLst>
+                        <p:cond delay="indefinite"/>
+                      </p:stCondLst>
+                      <p:childTnLst>
+                        <p:par>
+                          <p:cTn id="4" fill="hold">
+                            <p:stCondLst>
+                              <p:cond delay="0"/>
+                            </p:stCondLst>
+                            <p:childTnLst>
+                              <p:par>
+                                <p:cTn id="5" presetID="1" presetClass="entr" presetSubtype="0" fill="hold" nodeType="clickEffect">
+                                  <p:stCondLst>
+                                    <p:cond delay="0"/>
+                                  </p:stCondLst>
+                                  <p:childTnLst>
+                                    <p:set>
+                                      <p:cBhvr>
+                                        <p:cTn id="6" dur="1" fill="hold">
+                                          <p:stCondLst>
+                                            <p:cond delay="0"/>
+                                          </p:stCondLst>
+                                        </p:cTn>
+                                        <p:tgtEl>
+                                          <p:spTgt spid="3">
+                                            <p:txEl>
+                                              <p:pRg st="3" end="3"/>
+                                            </p:txEl>
+                                          </p:spTgt>
+                                        </p:tgtEl>
+                                        <p:attrNameLst>
+                                          <p:attrName>style.visibility</p:attrName>
+                                        </p:attrNameLst>
+                                      </p:cBhvr>
+                                      <p:to>
+                                        <p:strVal val="visible"/>
+                                      </p:to>
+                                    </p:set>
+                                  </p:childTnLst>
+                                </p:cTn>
+                              </p:par>
+                              <p:par>
+                                <p:cTn id="7" presetID="1" presetClass="entr" presetSubtype="0" fill="hold" nodeType="withEffect">
+                                  <p:stCondLst>
+                                    <p:cond delay="0"/>
+                                  </p:stCondLst>
+                                  <p:childTnLst>
+                                    <p:set>
+                                      <p:cBhvr>
+                                        <p:cTn id="8" dur="1" fill="hold">
+                                          <p:stCondLst>
+                                            <p:cond delay="0"/>
+                                          </p:stCondLst>
+                                        </p:cTn>
+                                        <p:tgtEl>
+                                          <p:spTgt spid="3">
+                                            <p:txEl>
+                                              <p:pRg st="4" end="4"/>
+                                            </p:txEl>
+                                          </p:spTgt>
+                                        </p:tgtEl>
+                                        <p:attrNameLst>
+                                          <p:attrName>style.visibility</p:attrName>
+                                        </p:attrNameLst>
+                                      </p:cBhvr>
+                                      <p:to>
+                                        <p:strVal val="visible"/>
+                                      </p:to>
+                                    </p:set>
+                                  </p:childTnLst>
+                                </p:cTn>
+                              </p:par>
+                              <p:par>
+                                <p:cTn id="9" presetID="1" presetClass="entr" presetSubtype="0" fill="hold" nodeType="withEffect">
+                                  <p:stCondLst>
+                                    <p:cond delay="0"/>
+                                  </p:stCondLst>
+                                  <p:childTnLst>
+                                    <p:set>
+                                      <p:cBhvr>
+                                        <p:cTn id="10" dur="1" fill="hold">
+                                          <p:stCondLst>
+                                            <p:cond delay="0"/>
+                                          </p:stCondLst>
+                                        </p:cTn>
+                                        <p:tgtEl>
+                                          <p:spTgt spid="3">
+                                            <p:txEl>
+                                              <p:pRg st="5" end="5"/>
+                                            </p:txEl>
+                                          </p:spTgt>
+                                        </p:tgtEl>
+                                        <p:attrNameLst>
+                                          <p:attrName>style.visibility</p:attrName>
+                                        </p:attrNameLst>
+                                      </p:cBhvr>
+                                      <p:to>
+                                        <p:strVal val="visible"/>
+                                      </p:to>
+                                    </p:set>
+                                  </p:childTnLst>
+                                </p:cTn>
+                              </p:par>
+                              <p:par>
+                                <p:cTn id="11" presetID="1" presetClass="entr" presetSubtype="0" fill="hold" nodeType="withEffect">
+                                  <p:stCondLst>
+                                    <p:cond delay="0"/>
+                                  </p:stCondLst>
+                                  <p:childTnLst>
+                                    <p:set>
+                                      <p:cBhvr>
+                                        <p:cTn id="12" dur="1" fill="hold">
+                                          <p:stCondLst>
+                                            <p:cond delay="0"/>
+                                          </p:stCondLst>
+                                        </p:cTn>
+                                        <p:tgtEl>
+                                          <p:spTgt spid="3">
+                                            <p:txEl>
+                                              <p:pRg st="6" end="6"/>
+                                            </p:txEl>
+                                          </p:spTgt>
+                                        </p:tgtEl>
+                                        <p:attrNameLst>
+                                          <p:attrName>style.visibility</p:attrName>
+                                        </p:attrNameLst>
+                                      </p:cBhvr>
+                                      <p:to>
+                                        <p:strVal val="visible"/>
+                                      </p:to>
+                                    </p:set>
+                                  </p:childTnLst>
+                                </p:cTn>
+                              </p:par>
+                              <p:par>
+                                <p:cTn id="13" presetID="1" presetClass="entr" presetSubtype="0" fill="hold" nodeType="withEffect">
+                                  <p:stCondLst>
+                                    <p:cond delay="0"/>
+                                  </p:stCondLst>
+                                  <p:childTnLst>
+                                    <p:set>
+                                      <p:cBhvr>
+                                        <p:cTn id="14" dur="1" fill="hold">
+                                          <p:stCondLst>
+                                            <p:cond delay="0"/>
+                                          </p:stCondLst>
+                                        </p:cTn>
+                                        <p:tgtEl>
+                                          <p:spTgt spid="3">
+                                            <p:txEl>
+                                              <p:pRg st="7" end="7"/>
+                                            </p:txEl>
+                                          </p:spTgt>
+                                        </p:tgtEl>
+                                        <p:attrNameLst>
+                                          <p:attrName>style.visibility</p:attrName>
+                                        </p:attrNameLst>
+                                      </p:cBhvr>
+                                      <p:to>
+                                        <p:strVal val="visible"/>
+                                      </p:to>
+                                    </p:set>
+                                  </p:childTnLst>
+                                </p:cTn>
+                              </p:par>
+                            </p:childTnLst>
+                          </p:cTn>
+                        </p:par>
+                      </p:childTnLst>
+                    </p:cTn>
+                  </p:par>
+                </p:childTnLst>
+              </p:cTn>
+              <p:prevCondLst>
+                <p:cond evt="onPrev" delay="0">
+                  <p:tgtEl>
+                    <p:sldTgt/>
+                  </p:tgtEl>
+                </p:cond>
+              </p:prevCondLst>
+              <p:nextCondLst>
+                <p:cond evt="onNext" delay="0">
+                  <p:tgtEl>
+                    <p:sldTgt/>
+                  </p:tgtEl>
+                </p:cond>
+              </p:nextCondLst>
+            </p:seq>
+          </p:childTnLst>
+        </p:cTn>
+      </p:par>
+    </p:tnLst>
+  </p:timing>
+</p:sld>
+</file>
+
+<file path=ppt/slides/slide4.xml><?xml version="1.0" encoding="utf-8"?>
+<p:sld xmlns:a="http://schemas.openxmlformats.org/drawingml/2006/main" xmlns:r="http://schemas.openxmlformats.org/officeDocument/2006/relationships" xmlns:p="http://schemas.openxmlformats.org/presentationml/2006/main">
+  <p:cSld>
+    <p:spTree>
+      <p:nvGrpSpPr>
+        <p:cNvPr id="1" name=""/>
+        <p:cNvGrpSpPr/>
+        <p:nvPr/>
+      </p:nvGrpSpPr>
+      <p:grpSpPr>
+        <a:xfrm>
+          <a:off x="0" y="0"/>
+          <a:ext cx="0" cy="0"/>
+          <a:chOff x="0" y="0"/>
+          <a:chExt cx="0" cy="0"/>
+        </a:xfrm>
+      </p:grpSpPr>
+      <p:sp>
+        <p:nvSpPr>
+          <p:cNvPr id="2" name="Slide Number Placeholder 1"/>
+          <p:cNvSpPr>
+            <a:spLocks noGrp="1"/>
+          </p:cNvSpPr>
+          <p:nvPr>
+            <p:ph type="sldNum" sz="quarter" idx="4"/>
+          </p:nvPr>
+        </p:nvSpPr>
+        <p:spPr/>
+        <p:txBody>
+          <a:bodyPr/>
+          <a:lstStyle/>
+          <a:p>
+            <a:fld id="{C014DD1E-5D91-48A3-AD6D-45FBA980D106}" type="slidenum">
+              <a:rPr lang="en-US" smtClean="0"/>
+              <a:pPr/>
+              <a:t>4</a:t>
+            </a:fld>
+            <a:endParaRPr lang="en-US" dirty="0"/>
+          </a:p>
+        </p:txBody>
+      </p:sp>
+      <p:sp>
+        <p:nvSpPr>
           <p:cNvPr id="4" name="Title 3"/>
           <p:cNvSpPr>
             <a:spLocks noGrp="1"/>
@@ -3204,7 +4374,7 @@
 </p:sld>
 </file>
 
-<file path=ppt/slides/slide3.xml><?xml version="1.0" encoding="utf-8"?>
+<file path=ppt/slides/slide5.xml><?xml version="1.0" encoding="utf-8"?>
 <p:sld xmlns:a="http://schemas.openxmlformats.org/drawingml/2006/main" xmlns:r="http://schemas.openxmlformats.org/officeDocument/2006/relationships" xmlns:p="http://schemas.openxmlformats.org/presentationml/2006/main">
   <p:cSld>
     <p:spTree>
@@ -3245,7 +4415,7 @@
             <a:fld id="{C014DD1E-5D91-48A3-AD6D-45FBA980D106}" type="slidenum">
               <a:rPr lang="en-US" smtClean="0"/>
               <a:pPr/>
-              <a:t>3</a:t>
+              <a:t>5</a:t>
             </a:fld>
             <a:endParaRPr lang="en-US" dirty="0"/>
           </a:p>
@@ -3562,7 +4732,7 @@
 </p:sld>
 </file>
 
-<file path=ppt/slides/slide4.xml><?xml version="1.0" encoding="utf-8"?>
+<file path=ppt/slides/slide6.xml><?xml version="1.0" encoding="utf-8"?>
 <p:sld xmlns:a="http://schemas.openxmlformats.org/drawingml/2006/main" xmlns:r="http://schemas.openxmlformats.org/officeDocument/2006/relationships" xmlns:p="http://schemas.openxmlformats.org/presentationml/2006/main">
   <p:cSld>
     <p:spTree>
@@ -3603,7 +4773,7 @@
             <a:fld id="{C014DD1E-5D91-48A3-AD6D-45FBA980D106}" type="slidenum">
               <a:rPr lang="en-US" smtClean="0"/>
               <a:pPr/>
-              <a:t>4</a:t>
+              <a:t>6</a:t>
             </a:fld>
             <a:endParaRPr lang="en-US" dirty="0"/>
           </a:p>
@@ -3704,7 +4874,7 @@
 </p:sld>
 </file>
 
-<file path=ppt/slides/slide5.xml><?xml version="1.0" encoding="utf-8"?>
+<file path=ppt/slides/slide7.xml><?xml version="1.0" encoding="utf-8"?>
 <p:sld xmlns:a="http://schemas.openxmlformats.org/drawingml/2006/main" xmlns:r="http://schemas.openxmlformats.org/officeDocument/2006/relationships" xmlns:p="http://schemas.openxmlformats.org/presentationml/2006/main">
   <p:cSld>
     <p:spTree>
